--- a/Space invader.pptx
+++ b/Space invader.pptx
@@ -5,10 +5,10 @@
     <p:sldMasterId id="2147483658" r:id="rId4"/>
   </p:sldMasterIdLst>
   <p:notesMasterIdLst>
-    <p:notesMasterId r:id="rId12"/>
+    <p:notesMasterId r:id="rId14"/>
   </p:notesMasterIdLst>
   <p:handoutMasterIdLst>
-    <p:handoutMasterId r:id="rId13"/>
+    <p:handoutMasterId r:id="rId15"/>
   </p:handoutMasterIdLst>
   <p:sldIdLst>
     <p:sldId id="410" r:id="rId5"/>
@@ -18,6 +18,8 @@
     <p:sldId id="413" r:id="rId9"/>
     <p:sldId id="414" r:id="rId10"/>
     <p:sldId id="415" r:id="rId11"/>
+    <p:sldId id="416" r:id="rId12"/>
+    <p:sldId id="417" r:id="rId13"/>
   </p:sldIdLst>
   <p:sldSz cx="12192000" cy="6858000"/>
   <p:notesSz cx="6858000" cy="9144000"/>
@@ -9895,7 +9897,32 @@
           <a:bodyPr/>
           <a:lstStyle/>
           <a:p>
-            <a:endParaRPr lang="en-US" dirty="0"/>
+            <a:r>
+              <a:rPr lang="en-US" dirty="0"/>
+              <a:t>Meta </a:t>
+            </a:r>
+            <a:r>
+              <a:rPr lang="hr-HR" dirty="0"/>
+              <a:t>igraču</a:t>
+            </a:r>
+          </a:p>
+          <a:p>
+            <a:r>
+              <a:rPr lang="hr-HR" dirty="0"/>
+              <a:t>Kreću se od nasumićno dodjeljene pozicije</a:t>
+            </a:r>
+          </a:p>
+          <a:p>
+            <a:r>
+              <a:rPr lang="hr-HR" dirty="0"/>
+              <a:t>Igrač zarađuje bodove uništavanjem mete</a:t>
+            </a:r>
+          </a:p>
+          <a:p>
+            <a:r>
+              <a:rPr lang="hr-HR" dirty="0"/>
+              <a:t>Dodirom s metom igrač gubi zdravlje</a:t>
+            </a:r>
           </a:p>
         </p:txBody>
       </p:sp>
@@ -9903,6 +9930,211 @@
     <p:extLst>
       <p:ext uri="{BB962C8B-B14F-4D97-AF65-F5344CB8AC3E}">
         <p14:creationId xmlns:p14="http://schemas.microsoft.com/office/powerpoint/2010/main" val="1362291794"/>
+      </p:ext>
+    </p:extLst>
+  </p:cSld>
+  <p:clrMapOvr>
+    <a:masterClrMapping/>
+  </p:clrMapOvr>
+</p:sld>
+</file>
+
+<file path=ppt/slides/slide8.xml><?xml version="1.0" encoding="utf-8"?>
+<p:sld xmlns:a="http://schemas.openxmlformats.org/drawingml/2006/main" xmlns:r="http://schemas.openxmlformats.org/officeDocument/2006/relationships" xmlns:p="http://schemas.openxmlformats.org/presentationml/2006/main">
+  <p:cSld>
+    <p:spTree>
+      <p:nvGrpSpPr>
+        <p:cNvPr id="1" name=""/>
+        <p:cNvGrpSpPr/>
+        <p:nvPr/>
+      </p:nvGrpSpPr>
+      <p:grpSpPr>
+        <a:xfrm>
+          <a:off x="0" y="0"/>
+          <a:ext cx="0" cy="0"/>
+          <a:chOff x="0" y="0"/>
+          <a:chExt cx="0" cy="0"/>
+        </a:xfrm>
+      </p:grpSpPr>
+      <p:sp>
+        <p:nvSpPr>
+          <p:cNvPr id="2" name="Title 1">
+            <a:extLst>
+              <a:ext uri="{FF2B5EF4-FFF2-40B4-BE49-F238E27FC236}">
+                <a16:creationId xmlns:a16="http://schemas.microsoft.com/office/drawing/2014/main" id="{413B1FB2-E13C-B0D8-6F0B-007B9D1A0DEF}"/>
+              </a:ext>
+            </a:extLst>
+          </p:cNvPr>
+          <p:cNvSpPr>
+            <a:spLocks noGrp="1"/>
+          </p:cNvSpPr>
+          <p:nvPr>
+            <p:ph type="title"/>
+          </p:nvPr>
+        </p:nvSpPr>
+        <p:spPr/>
+        <p:txBody>
+          <a:bodyPr/>
+          <a:lstStyle/>
+          <a:p>
+            <a:r>
+              <a:rPr lang="hr-HR" dirty="0"/>
+              <a:t>Fleet.h</a:t>
+            </a:r>
+            <a:endParaRPr lang="en-US" dirty="0"/>
+          </a:p>
+        </p:txBody>
+      </p:sp>
+      <p:sp>
+        <p:nvSpPr>
+          <p:cNvPr id="3" name="Content Placeholder 2">
+            <a:extLst>
+              <a:ext uri="{FF2B5EF4-FFF2-40B4-BE49-F238E27FC236}">
+                <a16:creationId xmlns:a16="http://schemas.microsoft.com/office/drawing/2014/main" id="{20630FEB-880C-33C5-9164-FEB9D23A2921}"/>
+              </a:ext>
+            </a:extLst>
+          </p:cNvPr>
+          <p:cNvSpPr>
+            <a:spLocks noGrp="1"/>
+          </p:cNvSpPr>
+          <p:nvPr>
+            <p:ph sz="quarter" idx="13"/>
+          </p:nvPr>
+        </p:nvSpPr>
+        <p:spPr/>
+        <p:txBody>
+          <a:bodyPr/>
+          <a:lstStyle/>
+          <a:p>
+            <a:r>
+              <a:rPr lang="hr-HR" dirty="0"/>
+              <a:t>Flota meta</a:t>
+            </a:r>
+          </a:p>
+          <a:p>
+            <a:r>
+              <a:rPr lang="hr-HR" dirty="0"/>
+              <a:t>Ova klasa poziva sve potrebne metode za rad aktivnih meta</a:t>
+            </a:r>
+          </a:p>
+          <a:p>
+            <a:r>
+              <a:rPr lang="hr-HR" dirty="0"/>
+              <a:t>Na temelju broja bodova odlučuje broj aktivnih meta</a:t>
+            </a:r>
+            <a:endParaRPr lang="en-US" dirty="0"/>
+          </a:p>
+        </p:txBody>
+      </p:sp>
+    </p:spTree>
+    <p:extLst>
+      <p:ext uri="{BB962C8B-B14F-4D97-AF65-F5344CB8AC3E}">
+        <p14:creationId xmlns:p14="http://schemas.microsoft.com/office/powerpoint/2010/main" val="2381011286"/>
+      </p:ext>
+    </p:extLst>
+  </p:cSld>
+  <p:clrMapOvr>
+    <a:masterClrMapping/>
+  </p:clrMapOvr>
+</p:sld>
+</file>
+
+<file path=ppt/slides/slide9.xml><?xml version="1.0" encoding="utf-8"?>
+<p:sld xmlns:a="http://schemas.openxmlformats.org/drawingml/2006/main" xmlns:r="http://schemas.openxmlformats.org/officeDocument/2006/relationships" xmlns:p="http://schemas.openxmlformats.org/presentationml/2006/main">
+  <p:cSld>
+    <p:spTree>
+      <p:nvGrpSpPr>
+        <p:cNvPr id="1" name=""/>
+        <p:cNvGrpSpPr/>
+        <p:nvPr/>
+      </p:nvGrpSpPr>
+      <p:grpSpPr>
+        <a:xfrm>
+          <a:off x="0" y="0"/>
+          <a:ext cx="0" cy="0"/>
+          <a:chOff x="0" y="0"/>
+          <a:chExt cx="0" cy="0"/>
+        </a:xfrm>
+      </p:grpSpPr>
+      <p:sp>
+        <p:nvSpPr>
+          <p:cNvPr id="2" name="Title 1">
+            <a:extLst>
+              <a:ext uri="{FF2B5EF4-FFF2-40B4-BE49-F238E27FC236}">
+                <a16:creationId xmlns:a16="http://schemas.microsoft.com/office/drawing/2014/main" id="{9119BC20-5656-1B19-228D-9C138145A195}"/>
+              </a:ext>
+            </a:extLst>
+          </p:cNvPr>
+          <p:cNvSpPr>
+            <a:spLocks noGrp="1"/>
+          </p:cNvSpPr>
+          <p:nvPr>
+            <p:ph type="title"/>
+          </p:nvPr>
+        </p:nvSpPr>
+        <p:spPr/>
+        <p:txBody>
+          <a:bodyPr/>
+          <a:lstStyle/>
+          <a:p>
+            <a:r>
+              <a:rPr lang="hr-HR" dirty="0"/>
+              <a:t>SpaceInvader.h</a:t>
+            </a:r>
+            <a:endParaRPr lang="en-US" dirty="0"/>
+          </a:p>
+        </p:txBody>
+      </p:sp>
+      <p:sp>
+        <p:nvSpPr>
+          <p:cNvPr id="3" name="Content Placeholder 2">
+            <a:extLst>
+              <a:ext uri="{FF2B5EF4-FFF2-40B4-BE49-F238E27FC236}">
+                <a16:creationId xmlns:a16="http://schemas.microsoft.com/office/drawing/2014/main" id="{CD8383D6-94F7-960F-CAD3-AE63F836C268}"/>
+              </a:ext>
+            </a:extLst>
+          </p:cNvPr>
+          <p:cNvSpPr>
+            <a:spLocks noGrp="1"/>
+          </p:cNvSpPr>
+          <p:nvPr>
+            <p:ph sz="quarter" idx="13"/>
+          </p:nvPr>
+        </p:nvSpPr>
+        <p:spPr/>
+        <p:txBody>
+          <a:bodyPr/>
+          <a:lstStyle/>
+          <a:p>
+            <a:r>
+              <a:rPr lang="hr-HR" dirty="0"/>
+              <a:t>Glavna datoteka u kojoj se nalazi petlja igre i arduino setup funkcija</a:t>
+            </a:r>
+          </a:p>
+          <a:p>
+            <a:r>
+              <a:rPr lang="hr-HR" dirty="0"/>
+              <a:t>Inicializira se funkcija „randomSeed()” i monitor za arduino i potrebni pinovi</a:t>
+            </a:r>
+          </a:p>
+          <a:p>
+            <a:r>
+              <a:rPr lang="hr-HR" dirty="0"/>
+              <a:t>Unutar petlje se pozivaju sve potrebne klase i metode za funkcionalnost igre</a:t>
+            </a:r>
+          </a:p>
+          <a:p>
+            <a:endParaRPr lang="hr-HR" dirty="0"/>
+          </a:p>
+          <a:p>
+            <a:endParaRPr lang="en-US" dirty="0"/>
+          </a:p>
+        </p:txBody>
+      </p:sp>
+    </p:spTree>
+    <p:extLst>
+      <p:ext uri="{BB962C8B-B14F-4D97-AF65-F5344CB8AC3E}">
+        <p14:creationId xmlns:p14="http://schemas.microsoft.com/office/powerpoint/2010/main" val="3072930101"/>
       </p:ext>
     </p:extLst>
   </p:cSld>
@@ -10704,6 +10936,15 @@
 </file>
 
 <file path=customXml/item1.xml><?xml version="1.0" encoding="utf-8"?>
+<?mso-contentType ?>
+<FormTemplates xmlns="http://schemas.microsoft.com/sharepoint/v3/contenttype/forms">
+  <Display>DocumentLibraryForm</Display>
+  <Edit>DocumentLibraryForm</Edit>
+  <New>DocumentLibraryForm</New>
+</FormTemplates>
+</file>
+
+<file path=customXml/item2.xml><?xml version="1.0" encoding="utf-8"?>
 <p:properties xmlns:p="http://schemas.microsoft.com/office/2006/metadata/properties" xmlns:xsi="http://www.w3.org/2001/XMLSchema-instance" xmlns:pc="http://schemas.microsoft.com/office/infopath/2007/PartnerControls">
   <documentManagement>
     <Background xmlns="71af3243-3dd4-4a8d-8c0d-dd76da1f02a5">false</Background>
@@ -10721,15 +10962,6 @@
     <MediaServiceKeyPoints xmlns="71af3243-3dd4-4a8d-8c0d-dd76da1f02a5" xsi:nil="true"/>
   </documentManagement>
 </p:properties>
-</file>
-
-<file path=customXml/item2.xml><?xml version="1.0" encoding="utf-8"?>
-<?mso-contentType ?>
-<FormTemplates xmlns="http://schemas.microsoft.com/sharepoint/v3/contenttype/forms">
-  <Display>DocumentLibraryForm</Display>
-  <Edit>DocumentLibraryForm</Edit>
-  <New>DocumentLibraryForm</New>
-</FormTemplates>
 </file>
 
 <file path=customXml/item3.xml><?xml version="1.0" encoding="utf-8"?>
@@ -11045,6 +11277,14 @@
 </file>
 
 <file path=customXml/itemProps1.xml><?xml version="1.0" encoding="utf-8"?>
+<ds:datastoreItem xmlns:ds="http://schemas.openxmlformats.org/officeDocument/2006/customXml" ds:itemID="{C21FFAC0-05A2-416A-B06C-C248395482CF}">
+  <ds:schemaRefs>
+    <ds:schemaRef ds:uri="http://schemas.microsoft.com/sharepoint/v3/contenttype/forms"/>
+  </ds:schemaRefs>
+</ds:datastoreItem>
+</file>
+
+<file path=customXml/itemProps2.xml><?xml version="1.0" encoding="utf-8"?>
 <ds:datastoreItem xmlns:ds="http://schemas.openxmlformats.org/officeDocument/2006/customXml" ds:itemID="{4F4B194E-8B30-4377-8C59-ECFB902D2A26}">
   <ds:schemaRefs>
     <ds:schemaRef ds:uri="http://schemas.microsoft.com/office/2006/metadata/properties"/>
@@ -11052,14 +11292,6 @@
     <ds:schemaRef ds:uri="71af3243-3dd4-4a8d-8c0d-dd76da1f02a5"/>
     <ds:schemaRef ds:uri="http://schemas.microsoft.com/sharepoint/v3"/>
     <ds:schemaRef ds:uri="230e9df3-be65-4c73-a93b-d1236ebd677e"/>
-  </ds:schemaRefs>
-</ds:datastoreItem>
-</file>
-
-<file path=customXml/itemProps2.xml><?xml version="1.0" encoding="utf-8"?>
-<ds:datastoreItem xmlns:ds="http://schemas.openxmlformats.org/officeDocument/2006/customXml" ds:itemID="{C21FFAC0-05A2-416A-B06C-C248395482CF}">
-  <ds:schemaRefs>
-    <ds:schemaRef ds:uri="http://schemas.microsoft.com/sharepoint/v3/contenttype/forms"/>
   </ds:schemaRefs>
 </ds:datastoreItem>
 </file>
